--- a/manuscript/figures/garry-bernard-figures/garry-bernard-figures.pptx
+++ b/manuscript/figures/garry-bernard-figures/garry-bernard-figures.pptx
@@ -158,7 +158,7 @@
           <a:bodyPr anchor="b"/>
           <a:lstStyle>
             <a:lvl1pPr algn="ctr">
-              <a:defRPr sz="6000"/>
+              <a:defRPr sz="5999"/>
             </a:lvl1pPr>
           </a:lstStyle>
           <a:p>
@@ -198,35 +198,35 @@
               <a:buNone/>
               <a:defRPr sz="2400"/>
             </a:lvl1pPr>
-            <a:lvl2pPr marL="457200" indent="0" algn="ctr">
+            <a:lvl2pPr marL="457187" indent="0" algn="ctr">
               <a:buNone/>
               <a:defRPr sz="2000"/>
             </a:lvl2pPr>
-            <a:lvl3pPr marL="914400" indent="0" algn="ctr">
+            <a:lvl3pPr marL="914373" indent="0" algn="ctr">
               <a:buNone/>
-              <a:defRPr sz="1800"/>
+              <a:defRPr sz="1801"/>
             </a:lvl3pPr>
-            <a:lvl4pPr marL="1371600" indent="0" algn="ctr">
+            <a:lvl4pPr marL="1371560" indent="0" algn="ctr">
               <a:buNone/>
               <a:defRPr sz="1600"/>
             </a:lvl4pPr>
-            <a:lvl5pPr marL="1828800" indent="0" algn="ctr">
+            <a:lvl5pPr marL="1828746" indent="0" algn="ctr">
               <a:buNone/>
               <a:defRPr sz="1600"/>
             </a:lvl5pPr>
-            <a:lvl6pPr marL="2286000" indent="0" algn="ctr">
+            <a:lvl6pPr marL="2285933" indent="0" algn="ctr">
               <a:buNone/>
               <a:defRPr sz="1600"/>
             </a:lvl6pPr>
-            <a:lvl7pPr marL="2743200" indent="0" algn="ctr">
+            <a:lvl7pPr marL="2743119" indent="0" algn="ctr">
               <a:buNone/>
               <a:defRPr sz="1600"/>
             </a:lvl7pPr>
-            <a:lvl8pPr marL="3200400" indent="0" algn="ctr">
+            <a:lvl8pPr marL="3200306" indent="0" algn="ctr">
               <a:buNone/>
               <a:defRPr sz="1600"/>
             </a:lvl8pPr>
-            <a:lvl9pPr marL="3657600" indent="0" algn="ctr">
+            <a:lvl9pPr marL="3657493" indent="0" algn="ctr">
               <a:buNone/>
               <a:defRPr sz="1600"/>
             </a:lvl9pPr>
@@ -262,7 +262,7 @@
           <a:p>
             <a:fld id="{FC8151EA-CFF6-440F-8F7C-55B205FA26F7}" type="datetimeFigureOut">
               <a:rPr lang="fr-FR" smtClean="0"/>
-              <a:t>05/09/2023</a:t>
+              <a:t>18/01/2024</a:t>
             </a:fld>
             <a:endParaRPr lang="fr-FR"/>
           </a:p>
@@ -460,7 +460,7 @@
           <a:p>
             <a:fld id="{FC8151EA-CFF6-440F-8F7C-55B205FA26F7}" type="datetimeFigureOut">
               <a:rPr lang="fr-FR" smtClean="0"/>
-              <a:t>05/09/2023</a:t>
+              <a:t>18/01/2024</a:t>
             </a:fld>
             <a:endParaRPr lang="fr-FR"/>
           </a:p>
@@ -568,7 +568,7 @@
         </p:nvSpPr>
         <p:spPr>
           <a:xfrm>
-            <a:off x="8724900" y="365125"/>
+            <a:off x="8724899" y="365125"/>
             <a:ext cx="2628900" cy="5811838"/>
           </a:xfrm>
         </p:spPr>
@@ -601,7 +601,7 @@
         </p:nvSpPr>
         <p:spPr>
           <a:xfrm>
-            <a:off x="838200" y="365125"/>
+            <a:off x="838199" y="365125"/>
             <a:ext cx="7734300" cy="5811838"/>
           </a:xfrm>
         </p:spPr>
@@ -668,7 +668,7 @@
           <a:p>
             <a:fld id="{FC8151EA-CFF6-440F-8F7C-55B205FA26F7}" type="datetimeFigureOut">
               <a:rPr lang="fr-FR" smtClean="0"/>
-              <a:t>05/09/2023</a:t>
+              <a:t>18/01/2024</a:t>
             </a:fld>
             <a:endParaRPr lang="fr-FR"/>
           </a:p>
@@ -866,7 +866,7 @@
           <a:p>
             <a:fld id="{FC8151EA-CFF6-440F-8F7C-55B205FA26F7}" type="datetimeFigureOut">
               <a:rPr lang="fr-FR" smtClean="0"/>
-              <a:t>05/09/2023</a:t>
+              <a:t>18/01/2024</a:t>
             </a:fld>
             <a:endParaRPr lang="fr-FR"/>
           </a:p>
@@ -974,7 +974,7 @@
         </p:nvSpPr>
         <p:spPr>
           <a:xfrm>
-            <a:off x="831850" y="1709738"/>
+            <a:off x="831853" y="1709738"/>
             <a:ext cx="10515600" cy="2852737"/>
           </a:xfrm>
         </p:spPr>
@@ -982,7 +982,7 @@
           <a:bodyPr anchor="b"/>
           <a:lstStyle>
             <a:lvl1pPr>
-              <a:defRPr sz="6000"/>
+              <a:defRPr sz="5999"/>
             </a:lvl1pPr>
           </a:lstStyle>
           <a:p>
@@ -1011,7 +1011,7 @@
         </p:nvSpPr>
         <p:spPr>
           <a:xfrm>
-            <a:off x="831850" y="4589463"/>
+            <a:off x="831853" y="4589465"/>
             <a:ext cx="10515600" cy="1500187"/>
           </a:xfrm>
         </p:spPr>
@@ -1028,7 +1028,7 @@
                 </a:solidFill>
               </a:defRPr>
             </a:lvl1pPr>
-            <a:lvl2pPr marL="457200" indent="0">
+            <a:lvl2pPr marL="457187" indent="0">
               <a:buNone/>
               <a:defRPr sz="2000">
                 <a:solidFill>
@@ -1038,9 +1038,9 @@
                 </a:solidFill>
               </a:defRPr>
             </a:lvl2pPr>
-            <a:lvl3pPr marL="914400" indent="0">
+            <a:lvl3pPr marL="914373" indent="0">
               <a:buNone/>
-              <a:defRPr sz="1800">
+              <a:defRPr sz="1801">
                 <a:solidFill>
                   <a:schemeClr val="tx1">
                     <a:tint val="75000"/>
@@ -1048,7 +1048,7 @@
                 </a:solidFill>
               </a:defRPr>
             </a:lvl3pPr>
-            <a:lvl4pPr marL="1371600" indent="0">
+            <a:lvl4pPr marL="1371560" indent="0">
               <a:buNone/>
               <a:defRPr sz="1600">
                 <a:solidFill>
@@ -1058,7 +1058,7 @@
                 </a:solidFill>
               </a:defRPr>
             </a:lvl4pPr>
-            <a:lvl5pPr marL="1828800" indent="0">
+            <a:lvl5pPr marL="1828746" indent="0">
               <a:buNone/>
               <a:defRPr sz="1600">
                 <a:solidFill>
@@ -1068,7 +1068,7 @@
                 </a:solidFill>
               </a:defRPr>
             </a:lvl5pPr>
-            <a:lvl6pPr marL="2286000" indent="0">
+            <a:lvl6pPr marL="2285933" indent="0">
               <a:buNone/>
               <a:defRPr sz="1600">
                 <a:solidFill>
@@ -1078,7 +1078,7 @@
                 </a:solidFill>
               </a:defRPr>
             </a:lvl6pPr>
-            <a:lvl7pPr marL="2743200" indent="0">
+            <a:lvl7pPr marL="2743119" indent="0">
               <a:buNone/>
               <a:defRPr sz="1600">
                 <a:solidFill>
@@ -1088,7 +1088,7 @@
                 </a:solidFill>
               </a:defRPr>
             </a:lvl7pPr>
-            <a:lvl8pPr marL="3200400" indent="0">
+            <a:lvl8pPr marL="3200306" indent="0">
               <a:buNone/>
               <a:defRPr sz="1600">
                 <a:solidFill>
@@ -1098,7 +1098,7 @@
                 </a:solidFill>
               </a:defRPr>
             </a:lvl8pPr>
-            <a:lvl9pPr marL="3657600" indent="0">
+            <a:lvl9pPr marL="3657493" indent="0">
               <a:buNone/>
               <a:defRPr sz="1600">
                 <a:solidFill>
@@ -1141,7 +1141,7 @@
           <a:p>
             <a:fld id="{FC8151EA-CFF6-440F-8F7C-55B205FA26F7}" type="datetimeFigureOut">
               <a:rPr lang="fr-FR" smtClean="0"/>
-              <a:t>05/09/2023</a:t>
+              <a:t>18/01/2024</a:t>
             </a:fld>
             <a:endParaRPr lang="fr-FR"/>
           </a:p>
@@ -1277,7 +1277,7 @@
         </p:nvSpPr>
         <p:spPr>
           <a:xfrm>
-            <a:off x="838200" y="1825625"/>
+            <a:off x="838201" y="1825625"/>
             <a:ext cx="5181600" cy="4351338"/>
           </a:xfrm>
         </p:spPr>
@@ -1339,7 +1339,7 @@
         </p:nvSpPr>
         <p:spPr>
           <a:xfrm>
-            <a:off x="6172200" y="1825625"/>
+            <a:off x="6172201" y="1825625"/>
             <a:ext cx="5181600" cy="4351338"/>
           </a:xfrm>
         </p:spPr>
@@ -1406,7 +1406,7 @@
           <a:p>
             <a:fld id="{FC8151EA-CFF6-440F-8F7C-55B205FA26F7}" type="datetimeFigureOut">
               <a:rPr lang="fr-FR" smtClean="0"/>
-              <a:t>05/09/2023</a:t>
+              <a:t>18/01/2024</a:t>
             </a:fld>
             <a:endParaRPr lang="fr-FR"/>
           </a:p>
@@ -1514,7 +1514,7 @@
         </p:nvSpPr>
         <p:spPr>
           <a:xfrm>
-            <a:off x="839788" y="365125"/>
+            <a:off x="839789" y="365126"/>
             <a:ext cx="10515600" cy="1325563"/>
           </a:xfrm>
         </p:spPr>
@@ -1547,7 +1547,7 @@
         </p:nvSpPr>
         <p:spPr>
           <a:xfrm>
-            <a:off x="839788" y="1681163"/>
+            <a:off x="839791" y="1681164"/>
             <a:ext cx="5157787" cy="823912"/>
           </a:xfrm>
         </p:spPr>
@@ -1558,35 +1558,35 @@
               <a:buNone/>
               <a:defRPr sz="2400" b="1"/>
             </a:lvl1pPr>
-            <a:lvl2pPr marL="457200" indent="0">
+            <a:lvl2pPr marL="457187" indent="0">
               <a:buNone/>
               <a:defRPr sz="2000" b="1"/>
             </a:lvl2pPr>
-            <a:lvl3pPr marL="914400" indent="0">
+            <a:lvl3pPr marL="914373" indent="0">
               <a:buNone/>
-              <a:defRPr sz="1800" b="1"/>
+              <a:defRPr sz="1801" b="1"/>
             </a:lvl3pPr>
-            <a:lvl4pPr marL="1371600" indent="0">
+            <a:lvl4pPr marL="1371560" indent="0">
               <a:buNone/>
               <a:defRPr sz="1600" b="1"/>
             </a:lvl4pPr>
-            <a:lvl5pPr marL="1828800" indent="0">
+            <a:lvl5pPr marL="1828746" indent="0">
               <a:buNone/>
               <a:defRPr sz="1600" b="1"/>
             </a:lvl5pPr>
-            <a:lvl6pPr marL="2286000" indent="0">
+            <a:lvl6pPr marL="2285933" indent="0">
               <a:buNone/>
               <a:defRPr sz="1600" b="1"/>
             </a:lvl6pPr>
-            <a:lvl7pPr marL="2743200" indent="0">
+            <a:lvl7pPr marL="2743119" indent="0">
               <a:buNone/>
               <a:defRPr sz="1600" b="1"/>
             </a:lvl7pPr>
-            <a:lvl8pPr marL="3200400" indent="0">
+            <a:lvl8pPr marL="3200306" indent="0">
               <a:buNone/>
               <a:defRPr sz="1600" b="1"/>
             </a:lvl8pPr>
-            <a:lvl9pPr marL="3657600" indent="0">
+            <a:lvl9pPr marL="3657493" indent="0">
               <a:buNone/>
               <a:defRPr sz="1600" b="1"/>
             </a:lvl9pPr>
@@ -1618,7 +1618,7 @@
         </p:nvSpPr>
         <p:spPr>
           <a:xfrm>
-            <a:off x="839788" y="2505075"/>
+            <a:off x="839791" y="2505076"/>
             <a:ext cx="5157787" cy="3684588"/>
           </a:xfrm>
         </p:spPr>
@@ -1680,7 +1680,7 @@
         </p:nvSpPr>
         <p:spPr>
           <a:xfrm>
-            <a:off x="6172200" y="1681163"/>
+            <a:off x="6172203" y="1681164"/>
             <a:ext cx="5183188" cy="823912"/>
           </a:xfrm>
         </p:spPr>
@@ -1691,35 +1691,35 @@
               <a:buNone/>
               <a:defRPr sz="2400" b="1"/>
             </a:lvl1pPr>
-            <a:lvl2pPr marL="457200" indent="0">
+            <a:lvl2pPr marL="457187" indent="0">
               <a:buNone/>
               <a:defRPr sz="2000" b="1"/>
             </a:lvl2pPr>
-            <a:lvl3pPr marL="914400" indent="0">
+            <a:lvl3pPr marL="914373" indent="0">
               <a:buNone/>
-              <a:defRPr sz="1800" b="1"/>
+              <a:defRPr sz="1801" b="1"/>
             </a:lvl3pPr>
-            <a:lvl4pPr marL="1371600" indent="0">
+            <a:lvl4pPr marL="1371560" indent="0">
               <a:buNone/>
               <a:defRPr sz="1600" b="1"/>
             </a:lvl4pPr>
-            <a:lvl5pPr marL="1828800" indent="0">
+            <a:lvl5pPr marL="1828746" indent="0">
               <a:buNone/>
               <a:defRPr sz="1600" b="1"/>
             </a:lvl5pPr>
-            <a:lvl6pPr marL="2286000" indent="0">
+            <a:lvl6pPr marL="2285933" indent="0">
               <a:buNone/>
               <a:defRPr sz="1600" b="1"/>
             </a:lvl6pPr>
-            <a:lvl7pPr marL="2743200" indent="0">
+            <a:lvl7pPr marL="2743119" indent="0">
               <a:buNone/>
               <a:defRPr sz="1600" b="1"/>
             </a:lvl7pPr>
-            <a:lvl8pPr marL="3200400" indent="0">
+            <a:lvl8pPr marL="3200306" indent="0">
               <a:buNone/>
               <a:defRPr sz="1600" b="1"/>
             </a:lvl8pPr>
-            <a:lvl9pPr marL="3657600" indent="0">
+            <a:lvl9pPr marL="3657493" indent="0">
               <a:buNone/>
               <a:defRPr sz="1600" b="1"/>
             </a:lvl9pPr>
@@ -1751,7 +1751,7 @@
         </p:nvSpPr>
         <p:spPr>
           <a:xfrm>
-            <a:off x="6172200" y="2505075"/>
+            <a:off x="6172203" y="2505076"/>
             <a:ext cx="5183188" cy="3684588"/>
           </a:xfrm>
         </p:spPr>
@@ -1818,7 +1818,7 @@
           <a:p>
             <a:fld id="{FC8151EA-CFF6-440F-8F7C-55B205FA26F7}" type="datetimeFigureOut">
               <a:rPr lang="fr-FR" smtClean="0"/>
-              <a:t>05/09/2023</a:t>
+              <a:t>18/01/2024</a:t>
             </a:fld>
             <a:endParaRPr lang="fr-FR"/>
           </a:p>
@@ -1959,7 +1959,7 @@
           <a:p>
             <a:fld id="{FC8151EA-CFF6-440F-8F7C-55B205FA26F7}" type="datetimeFigureOut">
               <a:rPr lang="fr-FR" smtClean="0"/>
-              <a:t>05/09/2023</a:t>
+              <a:t>18/01/2024</a:t>
             </a:fld>
             <a:endParaRPr lang="fr-FR"/>
           </a:p>
@@ -2072,7 +2072,7 @@
           <a:p>
             <a:fld id="{FC8151EA-CFF6-440F-8F7C-55B205FA26F7}" type="datetimeFigureOut">
               <a:rPr lang="fr-FR" smtClean="0"/>
-              <a:t>05/09/2023</a:t>
+              <a:t>18/01/2024</a:t>
             </a:fld>
             <a:endParaRPr lang="fr-FR"/>
           </a:p>
@@ -2180,8 +2180,8 @@
         </p:nvSpPr>
         <p:spPr>
           <a:xfrm>
-            <a:off x="839788" y="457200"/>
-            <a:ext cx="3932237" cy="1600200"/>
+            <a:off x="839791" y="457200"/>
+            <a:ext cx="3932236" cy="1600200"/>
           </a:xfrm>
         </p:spPr>
         <p:txBody>
@@ -2217,8 +2217,8 @@
         </p:nvSpPr>
         <p:spPr>
           <a:xfrm>
-            <a:off x="5183188" y="987425"/>
-            <a:ext cx="6172200" cy="4873625"/>
+            <a:off x="5183190" y="987426"/>
+            <a:ext cx="6172201" cy="4873625"/>
           </a:xfrm>
         </p:spPr>
         <p:txBody>
@@ -2307,8 +2307,8 @@
         </p:nvSpPr>
         <p:spPr>
           <a:xfrm>
-            <a:off x="839788" y="2057400"/>
-            <a:ext cx="3932237" cy="3811588"/>
+            <a:off x="839791" y="2057400"/>
+            <a:ext cx="3932236" cy="3811588"/>
           </a:xfrm>
         </p:spPr>
         <p:txBody>
@@ -2318,37 +2318,37 @@
               <a:buNone/>
               <a:defRPr sz="1600"/>
             </a:lvl1pPr>
-            <a:lvl2pPr marL="457200" indent="0">
+            <a:lvl2pPr marL="457187" indent="0">
               <a:buNone/>
-              <a:defRPr sz="1400"/>
+              <a:defRPr sz="1401"/>
             </a:lvl2pPr>
-            <a:lvl3pPr marL="914400" indent="0">
+            <a:lvl3pPr marL="914373" indent="0">
               <a:buNone/>
               <a:defRPr sz="1200"/>
             </a:lvl3pPr>
-            <a:lvl4pPr marL="1371600" indent="0">
+            <a:lvl4pPr marL="1371560" indent="0">
               <a:buNone/>
-              <a:defRPr sz="1000"/>
+              <a:defRPr sz="1001"/>
             </a:lvl4pPr>
-            <a:lvl5pPr marL="1828800" indent="0">
+            <a:lvl5pPr marL="1828746" indent="0">
               <a:buNone/>
-              <a:defRPr sz="1000"/>
+              <a:defRPr sz="1001"/>
             </a:lvl5pPr>
-            <a:lvl6pPr marL="2286000" indent="0">
+            <a:lvl6pPr marL="2285933" indent="0">
               <a:buNone/>
-              <a:defRPr sz="1000"/>
+              <a:defRPr sz="1001"/>
             </a:lvl6pPr>
-            <a:lvl7pPr marL="2743200" indent="0">
+            <a:lvl7pPr marL="2743119" indent="0">
               <a:buNone/>
-              <a:defRPr sz="1000"/>
+              <a:defRPr sz="1001"/>
             </a:lvl7pPr>
-            <a:lvl8pPr marL="3200400" indent="0">
+            <a:lvl8pPr marL="3200306" indent="0">
               <a:buNone/>
-              <a:defRPr sz="1000"/>
+              <a:defRPr sz="1001"/>
             </a:lvl8pPr>
-            <a:lvl9pPr marL="3657600" indent="0">
+            <a:lvl9pPr marL="3657493" indent="0">
               <a:buNone/>
-              <a:defRPr sz="1000"/>
+              <a:defRPr sz="1001"/>
             </a:lvl9pPr>
           </a:lstStyle>
           <a:p>
@@ -2383,7 +2383,7 @@
           <a:p>
             <a:fld id="{FC8151EA-CFF6-440F-8F7C-55B205FA26F7}" type="datetimeFigureOut">
               <a:rPr lang="fr-FR" smtClean="0"/>
-              <a:t>05/09/2023</a:t>
+              <a:t>18/01/2024</a:t>
             </a:fld>
             <a:endParaRPr lang="fr-FR"/>
           </a:p>
@@ -2491,8 +2491,8 @@
         </p:nvSpPr>
         <p:spPr>
           <a:xfrm>
-            <a:off x="839788" y="457200"/>
-            <a:ext cx="3932237" cy="1600200"/>
+            <a:off x="839791" y="457200"/>
+            <a:ext cx="3932236" cy="1600200"/>
           </a:xfrm>
         </p:spPr>
         <p:txBody>
@@ -2528,8 +2528,8 @@
         </p:nvSpPr>
         <p:spPr>
           <a:xfrm>
-            <a:off x="5183188" y="987425"/>
-            <a:ext cx="6172200" cy="4873625"/>
+            <a:off x="5183190" y="987426"/>
+            <a:ext cx="6172201" cy="4873625"/>
           </a:xfrm>
         </p:spPr>
         <p:txBody>
@@ -2539,35 +2539,35 @@
               <a:buNone/>
               <a:defRPr sz="3200"/>
             </a:lvl1pPr>
-            <a:lvl2pPr marL="457200" indent="0">
+            <a:lvl2pPr marL="457187" indent="0">
               <a:buNone/>
               <a:defRPr sz="2800"/>
             </a:lvl2pPr>
-            <a:lvl3pPr marL="914400" indent="0">
+            <a:lvl3pPr marL="914373" indent="0">
               <a:buNone/>
               <a:defRPr sz="2400"/>
             </a:lvl3pPr>
-            <a:lvl4pPr marL="1371600" indent="0">
+            <a:lvl4pPr marL="1371560" indent="0">
               <a:buNone/>
               <a:defRPr sz="2000"/>
             </a:lvl4pPr>
-            <a:lvl5pPr marL="1828800" indent="0">
+            <a:lvl5pPr marL="1828746" indent="0">
               <a:buNone/>
               <a:defRPr sz="2000"/>
             </a:lvl5pPr>
-            <a:lvl6pPr marL="2286000" indent="0">
+            <a:lvl6pPr marL="2285933" indent="0">
               <a:buNone/>
               <a:defRPr sz="2000"/>
             </a:lvl6pPr>
-            <a:lvl7pPr marL="2743200" indent="0">
+            <a:lvl7pPr marL="2743119" indent="0">
               <a:buNone/>
               <a:defRPr sz="2000"/>
             </a:lvl7pPr>
-            <a:lvl8pPr marL="3200400" indent="0">
+            <a:lvl8pPr marL="3200306" indent="0">
               <a:buNone/>
               <a:defRPr sz="2000"/>
             </a:lvl8pPr>
-            <a:lvl9pPr marL="3657600" indent="0">
+            <a:lvl9pPr marL="3657493" indent="0">
               <a:buNone/>
               <a:defRPr sz="2000"/>
             </a:lvl9pPr>
@@ -2595,8 +2595,8 @@
         </p:nvSpPr>
         <p:spPr>
           <a:xfrm>
-            <a:off x="839788" y="2057400"/>
-            <a:ext cx="3932237" cy="3811588"/>
+            <a:off x="839791" y="2057400"/>
+            <a:ext cx="3932236" cy="3811588"/>
           </a:xfrm>
         </p:spPr>
         <p:txBody>
@@ -2606,37 +2606,37 @@
               <a:buNone/>
               <a:defRPr sz="1600"/>
             </a:lvl1pPr>
-            <a:lvl2pPr marL="457200" indent="0">
+            <a:lvl2pPr marL="457187" indent="0">
               <a:buNone/>
-              <a:defRPr sz="1400"/>
+              <a:defRPr sz="1401"/>
             </a:lvl2pPr>
-            <a:lvl3pPr marL="914400" indent="0">
+            <a:lvl3pPr marL="914373" indent="0">
               <a:buNone/>
               <a:defRPr sz="1200"/>
             </a:lvl3pPr>
-            <a:lvl4pPr marL="1371600" indent="0">
+            <a:lvl4pPr marL="1371560" indent="0">
               <a:buNone/>
-              <a:defRPr sz="1000"/>
+              <a:defRPr sz="1001"/>
             </a:lvl4pPr>
-            <a:lvl5pPr marL="1828800" indent="0">
+            <a:lvl5pPr marL="1828746" indent="0">
               <a:buNone/>
-              <a:defRPr sz="1000"/>
+              <a:defRPr sz="1001"/>
             </a:lvl5pPr>
-            <a:lvl6pPr marL="2286000" indent="0">
+            <a:lvl6pPr marL="2285933" indent="0">
               <a:buNone/>
-              <a:defRPr sz="1000"/>
+              <a:defRPr sz="1001"/>
             </a:lvl6pPr>
-            <a:lvl7pPr marL="2743200" indent="0">
+            <a:lvl7pPr marL="2743119" indent="0">
               <a:buNone/>
-              <a:defRPr sz="1000"/>
+              <a:defRPr sz="1001"/>
             </a:lvl7pPr>
-            <a:lvl8pPr marL="3200400" indent="0">
+            <a:lvl8pPr marL="3200306" indent="0">
               <a:buNone/>
-              <a:defRPr sz="1000"/>
+              <a:defRPr sz="1001"/>
             </a:lvl8pPr>
-            <a:lvl9pPr marL="3657600" indent="0">
+            <a:lvl9pPr marL="3657493" indent="0">
               <a:buNone/>
-              <a:defRPr sz="1000"/>
+              <a:defRPr sz="1001"/>
             </a:lvl9pPr>
           </a:lstStyle>
           <a:p>
@@ -2671,7 +2671,7 @@
           <a:p>
             <a:fld id="{FC8151EA-CFF6-440F-8F7C-55B205FA26F7}" type="datetimeFigureOut">
               <a:rPr lang="fr-FR" smtClean="0"/>
-              <a:t>05/09/2023</a:t>
+              <a:t>18/01/2024</a:t>
             </a:fld>
             <a:endParaRPr lang="fr-FR"/>
           </a:p>
@@ -2784,7 +2784,7 @@
         </p:nvSpPr>
         <p:spPr>
           <a:xfrm>
-            <a:off x="838200" y="365125"/>
+            <a:off x="838204" y="365126"/>
             <a:ext cx="10515600" cy="1325563"/>
           </a:xfrm>
           <a:prstGeom prst="rect">
@@ -2822,7 +2822,7 @@
         </p:nvSpPr>
         <p:spPr>
           <a:xfrm>
-            <a:off x="838200" y="1825625"/>
+            <a:off x="838204" y="1825625"/>
             <a:ext cx="10515600" cy="4351338"/>
           </a:xfrm>
           <a:prstGeom prst="rect">
@@ -2889,7 +2889,7 @@
         </p:nvSpPr>
         <p:spPr>
           <a:xfrm>
-            <a:off x="838200" y="6356350"/>
+            <a:off x="838199" y="6356352"/>
             <a:ext cx="2743200" cy="365125"/>
           </a:xfrm>
           <a:prstGeom prst="rect">
@@ -2912,7 +2912,7 @@
           <a:p>
             <a:fld id="{FC8151EA-CFF6-440F-8F7C-55B205FA26F7}" type="datetimeFigureOut">
               <a:rPr lang="fr-FR" smtClean="0"/>
-              <a:t>05/09/2023</a:t>
+              <a:t>18/01/2024</a:t>
             </a:fld>
             <a:endParaRPr lang="fr-FR"/>
           </a:p>
@@ -2936,7 +2936,7 @@
         </p:nvSpPr>
         <p:spPr>
           <a:xfrm>
-            <a:off x="4038600" y="6356350"/>
+            <a:off x="4038604" y="6356352"/>
             <a:ext cx="4114800" cy="365125"/>
           </a:xfrm>
           <a:prstGeom prst="rect">
@@ -2979,7 +2979,7 @@
         </p:nvSpPr>
         <p:spPr>
           <a:xfrm>
-            <a:off x="8610600" y="6356350"/>
+            <a:off x="8610601" y="6356352"/>
             <a:ext cx="2743200" cy="365125"/>
           </a:xfrm>
           <a:prstGeom prst="rect">
@@ -3031,7 +3031,7 @@
   </p:sldLayoutIdLst>
   <p:txStyles>
     <p:titleStyle>
-      <a:lvl1pPr algn="l" defTabSz="914400" rtl="0" eaLnBrk="1" latinLnBrk="0" hangingPunct="1">
+      <a:lvl1pPr algn="l" defTabSz="914373" rtl="0" eaLnBrk="1" latinLnBrk="0" hangingPunct="1">
         <a:lnSpc>
           <a:spcPct val="90000"/>
         </a:lnSpc>
@@ -3050,12 +3050,12 @@
       </a:lvl1pPr>
     </p:titleStyle>
     <p:bodyStyle>
-      <a:lvl1pPr marL="228600" indent="-228600" algn="l" defTabSz="914400" rtl="0" eaLnBrk="1" latinLnBrk="0" hangingPunct="1">
+      <a:lvl1pPr marL="228595" indent="-228595" algn="l" defTabSz="914373" rtl="0" eaLnBrk="1" latinLnBrk="0" hangingPunct="1">
         <a:lnSpc>
           <a:spcPct val="90000"/>
         </a:lnSpc>
         <a:spcBef>
-          <a:spcPts val="1000"/>
+          <a:spcPts val="1001"/>
         </a:spcBef>
         <a:buFont typeface="Arial" panose="020B0604020202020204" pitchFamily="34" charset="0"/>
         <a:buChar char="•"/>
@@ -3068,7 +3068,7 @@
           <a:cs typeface="+mn-cs"/>
         </a:defRPr>
       </a:lvl1pPr>
-      <a:lvl2pPr marL="685800" indent="-228600" algn="l" defTabSz="914400" rtl="0" eaLnBrk="1" latinLnBrk="0" hangingPunct="1">
+      <a:lvl2pPr marL="685781" indent="-228595" algn="l" defTabSz="914373" rtl="0" eaLnBrk="1" latinLnBrk="0" hangingPunct="1">
         <a:lnSpc>
           <a:spcPct val="90000"/>
         </a:lnSpc>
@@ -3086,7 +3086,7 @@
           <a:cs typeface="+mn-cs"/>
         </a:defRPr>
       </a:lvl2pPr>
-      <a:lvl3pPr marL="1143000" indent="-228600" algn="l" defTabSz="914400" rtl="0" eaLnBrk="1" latinLnBrk="0" hangingPunct="1">
+      <a:lvl3pPr marL="1142967" indent="-228595" algn="l" defTabSz="914373" rtl="0" eaLnBrk="1" latinLnBrk="0" hangingPunct="1">
         <a:lnSpc>
           <a:spcPct val="90000"/>
         </a:lnSpc>
@@ -3104,7 +3104,7 @@
           <a:cs typeface="+mn-cs"/>
         </a:defRPr>
       </a:lvl3pPr>
-      <a:lvl4pPr marL="1600200" indent="-228600" algn="l" defTabSz="914400" rtl="0" eaLnBrk="1" latinLnBrk="0" hangingPunct="1">
+      <a:lvl4pPr marL="1600154" indent="-228595" algn="l" defTabSz="914373" rtl="0" eaLnBrk="1" latinLnBrk="0" hangingPunct="1">
         <a:lnSpc>
           <a:spcPct val="90000"/>
         </a:lnSpc>
@@ -3113,7 +3113,7 @@
         </a:spcBef>
         <a:buFont typeface="Arial" panose="020B0604020202020204" pitchFamily="34" charset="0"/>
         <a:buChar char="•"/>
-        <a:defRPr sz="1800" kern="1200">
+        <a:defRPr sz="1801" kern="1200">
           <a:solidFill>
             <a:schemeClr val="tx1"/>
           </a:solidFill>
@@ -3122,7 +3122,7 @@
           <a:cs typeface="+mn-cs"/>
         </a:defRPr>
       </a:lvl4pPr>
-      <a:lvl5pPr marL="2057400" indent="-228600" algn="l" defTabSz="914400" rtl="0" eaLnBrk="1" latinLnBrk="0" hangingPunct="1">
+      <a:lvl5pPr marL="2057341" indent="-228595" algn="l" defTabSz="914373" rtl="0" eaLnBrk="1" latinLnBrk="0" hangingPunct="1">
         <a:lnSpc>
           <a:spcPct val="90000"/>
         </a:lnSpc>
@@ -3131,7 +3131,7 @@
         </a:spcBef>
         <a:buFont typeface="Arial" panose="020B0604020202020204" pitchFamily="34" charset="0"/>
         <a:buChar char="•"/>
-        <a:defRPr sz="1800" kern="1200">
+        <a:defRPr sz="1801" kern="1200">
           <a:solidFill>
             <a:schemeClr val="tx1"/>
           </a:solidFill>
@@ -3140,7 +3140,7 @@
           <a:cs typeface="+mn-cs"/>
         </a:defRPr>
       </a:lvl5pPr>
-      <a:lvl6pPr marL="2514600" indent="-228600" algn="l" defTabSz="914400" rtl="0" eaLnBrk="1" latinLnBrk="0" hangingPunct="1">
+      <a:lvl6pPr marL="2514526" indent="-228595" algn="l" defTabSz="914373" rtl="0" eaLnBrk="1" latinLnBrk="0" hangingPunct="1">
         <a:lnSpc>
           <a:spcPct val="90000"/>
         </a:lnSpc>
@@ -3149,7 +3149,7 @@
         </a:spcBef>
         <a:buFont typeface="Arial" panose="020B0604020202020204" pitchFamily="34" charset="0"/>
         <a:buChar char="•"/>
-        <a:defRPr sz="1800" kern="1200">
+        <a:defRPr sz="1801" kern="1200">
           <a:solidFill>
             <a:schemeClr val="tx1"/>
           </a:solidFill>
@@ -3158,7 +3158,7 @@
           <a:cs typeface="+mn-cs"/>
         </a:defRPr>
       </a:lvl6pPr>
-      <a:lvl7pPr marL="2971800" indent="-228600" algn="l" defTabSz="914400" rtl="0" eaLnBrk="1" latinLnBrk="0" hangingPunct="1">
+      <a:lvl7pPr marL="2971714" indent="-228595" algn="l" defTabSz="914373" rtl="0" eaLnBrk="1" latinLnBrk="0" hangingPunct="1">
         <a:lnSpc>
           <a:spcPct val="90000"/>
         </a:lnSpc>
@@ -3167,7 +3167,7 @@
         </a:spcBef>
         <a:buFont typeface="Arial" panose="020B0604020202020204" pitchFamily="34" charset="0"/>
         <a:buChar char="•"/>
-        <a:defRPr sz="1800" kern="1200">
+        <a:defRPr sz="1801" kern="1200">
           <a:solidFill>
             <a:schemeClr val="tx1"/>
           </a:solidFill>
@@ -3176,7 +3176,7 @@
           <a:cs typeface="+mn-cs"/>
         </a:defRPr>
       </a:lvl7pPr>
-      <a:lvl8pPr marL="3429000" indent="-228600" algn="l" defTabSz="914400" rtl="0" eaLnBrk="1" latinLnBrk="0" hangingPunct="1">
+      <a:lvl8pPr marL="3428900" indent="-228595" algn="l" defTabSz="914373" rtl="0" eaLnBrk="1" latinLnBrk="0" hangingPunct="1">
         <a:lnSpc>
           <a:spcPct val="90000"/>
         </a:lnSpc>
@@ -3185,7 +3185,7 @@
         </a:spcBef>
         <a:buFont typeface="Arial" panose="020B0604020202020204" pitchFamily="34" charset="0"/>
         <a:buChar char="•"/>
-        <a:defRPr sz="1800" kern="1200">
+        <a:defRPr sz="1801" kern="1200">
           <a:solidFill>
             <a:schemeClr val="tx1"/>
           </a:solidFill>
@@ -3194,7 +3194,7 @@
           <a:cs typeface="+mn-cs"/>
         </a:defRPr>
       </a:lvl8pPr>
-      <a:lvl9pPr marL="3886200" indent="-228600" algn="l" defTabSz="914400" rtl="0" eaLnBrk="1" latinLnBrk="0" hangingPunct="1">
+      <a:lvl9pPr marL="3886086" indent="-228595" algn="l" defTabSz="914373" rtl="0" eaLnBrk="1" latinLnBrk="0" hangingPunct="1">
         <a:lnSpc>
           <a:spcPct val="90000"/>
         </a:lnSpc>
@@ -3203,7 +3203,7 @@
         </a:spcBef>
         <a:buFont typeface="Arial" panose="020B0604020202020204" pitchFamily="34" charset="0"/>
         <a:buChar char="•"/>
-        <a:defRPr sz="1800" kern="1200">
+        <a:defRPr sz="1801" kern="1200">
           <a:solidFill>
             <a:schemeClr val="tx1"/>
           </a:solidFill>
@@ -3217,8 +3217,8 @@
       <a:defPPr>
         <a:defRPr lang="fr-FR"/>
       </a:defPPr>
-      <a:lvl1pPr marL="0" algn="l" defTabSz="914400" rtl="0" eaLnBrk="1" latinLnBrk="0" hangingPunct="1">
-        <a:defRPr sz="1800" kern="1200">
+      <a:lvl1pPr marL="0" algn="l" defTabSz="914373" rtl="0" eaLnBrk="1" latinLnBrk="0" hangingPunct="1">
+        <a:defRPr sz="1801" kern="1200">
           <a:solidFill>
             <a:schemeClr val="tx1"/>
           </a:solidFill>
@@ -3227,8 +3227,8 @@
           <a:cs typeface="+mn-cs"/>
         </a:defRPr>
       </a:lvl1pPr>
-      <a:lvl2pPr marL="457200" algn="l" defTabSz="914400" rtl="0" eaLnBrk="1" latinLnBrk="0" hangingPunct="1">
-        <a:defRPr sz="1800" kern="1200">
+      <a:lvl2pPr marL="457187" algn="l" defTabSz="914373" rtl="0" eaLnBrk="1" latinLnBrk="0" hangingPunct="1">
+        <a:defRPr sz="1801" kern="1200">
           <a:solidFill>
             <a:schemeClr val="tx1"/>
           </a:solidFill>
@@ -3237,8 +3237,8 @@
           <a:cs typeface="+mn-cs"/>
         </a:defRPr>
       </a:lvl2pPr>
-      <a:lvl3pPr marL="914400" algn="l" defTabSz="914400" rtl="0" eaLnBrk="1" latinLnBrk="0" hangingPunct="1">
-        <a:defRPr sz="1800" kern="1200">
+      <a:lvl3pPr marL="914373" algn="l" defTabSz="914373" rtl="0" eaLnBrk="1" latinLnBrk="0" hangingPunct="1">
+        <a:defRPr sz="1801" kern="1200">
           <a:solidFill>
             <a:schemeClr val="tx1"/>
           </a:solidFill>
@@ -3247,8 +3247,8 @@
           <a:cs typeface="+mn-cs"/>
         </a:defRPr>
       </a:lvl3pPr>
-      <a:lvl4pPr marL="1371600" algn="l" defTabSz="914400" rtl="0" eaLnBrk="1" latinLnBrk="0" hangingPunct="1">
-        <a:defRPr sz="1800" kern="1200">
+      <a:lvl4pPr marL="1371560" algn="l" defTabSz="914373" rtl="0" eaLnBrk="1" latinLnBrk="0" hangingPunct="1">
+        <a:defRPr sz="1801" kern="1200">
           <a:solidFill>
             <a:schemeClr val="tx1"/>
           </a:solidFill>
@@ -3257,8 +3257,8 @@
           <a:cs typeface="+mn-cs"/>
         </a:defRPr>
       </a:lvl4pPr>
-      <a:lvl5pPr marL="1828800" algn="l" defTabSz="914400" rtl="0" eaLnBrk="1" latinLnBrk="0" hangingPunct="1">
-        <a:defRPr sz="1800" kern="1200">
+      <a:lvl5pPr marL="1828746" algn="l" defTabSz="914373" rtl="0" eaLnBrk="1" latinLnBrk="0" hangingPunct="1">
+        <a:defRPr sz="1801" kern="1200">
           <a:solidFill>
             <a:schemeClr val="tx1"/>
           </a:solidFill>
@@ -3267,8 +3267,8 @@
           <a:cs typeface="+mn-cs"/>
         </a:defRPr>
       </a:lvl5pPr>
-      <a:lvl6pPr marL="2286000" algn="l" defTabSz="914400" rtl="0" eaLnBrk="1" latinLnBrk="0" hangingPunct="1">
-        <a:defRPr sz="1800" kern="1200">
+      <a:lvl6pPr marL="2285933" algn="l" defTabSz="914373" rtl="0" eaLnBrk="1" latinLnBrk="0" hangingPunct="1">
+        <a:defRPr sz="1801" kern="1200">
           <a:solidFill>
             <a:schemeClr val="tx1"/>
           </a:solidFill>
@@ -3277,8 +3277,8 @@
           <a:cs typeface="+mn-cs"/>
         </a:defRPr>
       </a:lvl6pPr>
-      <a:lvl7pPr marL="2743200" algn="l" defTabSz="914400" rtl="0" eaLnBrk="1" latinLnBrk="0" hangingPunct="1">
-        <a:defRPr sz="1800" kern="1200">
+      <a:lvl7pPr marL="2743119" algn="l" defTabSz="914373" rtl="0" eaLnBrk="1" latinLnBrk="0" hangingPunct="1">
+        <a:defRPr sz="1801" kern="1200">
           <a:solidFill>
             <a:schemeClr val="tx1"/>
           </a:solidFill>
@@ -3287,8 +3287,8 @@
           <a:cs typeface="+mn-cs"/>
         </a:defRPr>
       </a:lvl7pPr>
-      <a:lvl8pPr marL="3200400" algn="l" defTabSz="914400" rtl="0" eaLnBrk="1" latinLnBrk="0" hangingPunct="1">
-        <a:defRPr sz="1800" kern="1200">
+      <a:lvl8pPr marL="3200306" algn="l" defTabSz="914373" rtl="0" eaLnBrk="1" latinLnBrk="0" hangingPunct="1">
+        <a:defRPr sz="1801" kern="1200">
           <a:solidFill>
             <a:schemeClr val="tx1"/>
           </a:solidFill>
@@ -3297,8 +3297,8 @@
           <a:cs typeface="+mn-cs"/>
         </a:defRPr>
       </a:lvl8pPr>
-      <a:lvl9pPr marL="3657600" algn="l" defTabSz="914400" rtl="0" eaLnBrk="1" latinLnBrk="0" hangingPunct="1">
-        <a:defRPr sz="1800" kern="1200">
+      <a:lvl9pPr marL="3657493" algn="l" defTabSz="914373" rtl="0" eaLnBrk="1" latinLnBrk="0" hangingPunct="1">
+        <a:defRPr sz="1801" kern="1200">
           <a:solidFill>
             <a:schemeClr val="tx1"/>
           </a:solidFill>
@@ -3343,10 +3343,10 @@
         </p:nvGrpSpPr>
         <p:grpSpPr>
           <a:xfrm>
-            <a:off x="960560" y="1514902"/>
-            <a:ext cx="10085402" cy="2655854"/>
+            <a:off x="960561" y="1514902"/>
+            <a:ext cx="10228651" cy="2844680"/>
             <a:chOff x="960560" y="1514902"/>
-            <a:chExt cx="10085402" cy="2655854"/>
+            <a:chExt cx="10081858" cy="2655854"/>
           </a:xfrm>
         </p:grpSpPr>
         <p:grpSp>
@@ -3366,9 +3366,9 @@
           <p:grpSpPr>
             <a:xfrm>
               <a:off x="960560" y="1514902"/>
-              <a:ext cx="10085402" cy="2655854"/>
+              <a:ext cx="10081858" cy="2655854"/>
               <a:chOff x="-2314902" y="532263"/>
-              <a:chExt cx="14407717" cy="3794077"/>
+              <a:chExt cx="14402654" cy="3794077"/>
             </a:xfrm>
           </p:grpSpPr>
           <p:sp>
@@ -3441,7 +3441,7 @@
               <a:lstStyle/>
               <a:p>
                 <a:pPr algn="ctr"/>
-                <a:endParaRPr lang="fr-FR"/>
+                <a:endParaRPr lang="fr-FR" sz="1801"/>
               </a:p>
             </p:txBody>
           </p:sp>
@@ -3558,7 +3558,7 @@
                 <a:lstStyle/>
                 <a:p>
                   <a:pPr algn="ctr"/>
-                  <a:endParaRPr lang="fr-FR"/>
+                  <a:endParaRPr lang="fr-FR" sz="1801"/>
                 </a:p>
               </p:txBody>
             </p:sp>
@@ -3610,7 +3610,7 @@
                 <a:lstStyle/>
                 <a:p>
                   <a:pPr algn="ctr"/>
-                  <a:endParaRPr lang="fr-FR"/>
+                  <a:endParaRPr lang="fr-FR" sz="1801"/>
                 </a:p>
               </p:txBody>
             </p:sp>
@@ -3668,7 +3668,7 @@
                 <a:lstStyle/>
                 <a:p>
                   <a:pPr algn="ctr"/>
-                  <a:endParaRPr lang="fr-FR"/>
+                  <a:endParaRPr lang="fr-FR" sz="1801"/>
                 </a:p>
               </p:txBody>
             </p:sp>
@@ -3719,7 +3719,7 @@
                 <a:lstStyle/>
                 <a:p>
                   <a:pPr algn="ctr"/>
-                  <a:endParaRPr lang="fr-FR"/>
+                  <a:endParaRPr lang="fr-FR" sz="1801"/>
                 </a:p>
               </p:txBody>
             </p:sp>
@@ -3771,7 +3771,7 @@
                 <a:lstStyle/>
                 <a:p>
                   <a:pPr algn="ctr"/>
-                  <a:endParaRPr lang="fr-FR"/>
+                  <a:endParaRPr lang="fr-FR" sz="1801"/>
                 </a:p>
               </p:txBody>
             </p:sp>
@@ -3790,8 +3790,8 @@
             </p:nvSpPr>
             <p:spPr>
               <a:xfrm>
-                <a:off x="6640491" y="3129204"/>
-                <a:ext cx="705780" cy="1055234"/>
+                <a:off x="6645559" y="3129205"/>
+                <a:ext cx="695651" cy="985701"/>
               </a:xfrm>
               <a:prstGeom prst="rect">
                 <a:avLst/>
@@ -3806,7 +3806,7 @@
               <a:p>
                 <a:pPr algn="ctr"/>
                 <a:r>
-                  <a:rPr lang="fr-FR" sz="1400" b="1" dirty="0">
+                  <a:rPr lang="fr-FR" sz="1401" b="1" dirty="0">
                     <a:solidFill>
                       <a:schemeClr val="accent1"/>
                     </a:solidFill>
@@ -3817,7 +3817,7 @@
               <a:p>
                 <a:pPr algn="ctr"/>
                 <a:r>
-                  <a:rPr lang="fr-FR" sz="1400" b="1" dirty="0">
+                  <a:rPr lang="fr-FR" sz="1401" b="1" dirty="0">
                     <a:solidFill>
                       <a:schemeClr val="accent1"/>
                     </a:solidFill>
@@ -3828,14 +3828,14 @@
               <a:p>
                 <a:pPr algn="ctr"/>
                 <a:r>
-                  <a:rPr lang="fr-FR" sz="1400" b="1" dirty="0" err="1">
+                  <a:rPr lang="fr-FR" sz="1401" b="1" dirty="0" err="1">
                     <a:solidFill>
                       <a:schemeClr val="accent1"/>
                     </a:solidFill>
                   </a:rPr>
                   <a:t>Und</a:t>
                 </a:r>
-                <a:endParaRPr lang="fr-FR" sz="1400" b="1" dirty="0">
+                <a:endParaRPr lang="fr-FR" sz="1401" b="1" dirty="0">
                   <a:solidFill>
                     <a:schemeClr val="accent1"/>
                   </a:solidFill>
@@ -3861,7 +3861,7 @@
             <p:spPr>
               <a:xfrm>
                 <a:off x="6993381" y="2485217"/>
-                <a:ext cx="0" cy="643987"/>
+                <a:ext cx="3" cy="643988"/>
               </a:xfrm>
               <a:prstGeom prst="line">
                 <a:avLst/>
@@ -3998,7 +3998,7 @@
                 <a:lstStyle/>
                 <a:p>
                   <a:pPr algn="ctr"/>
-                  <a:endParaRPr lang="fr-FR"/>
+                  <a:endParaRPr lang="fr-FR" sz="1801"/>
                 </a:p>
               </p:txBody>
             </p:sp>
@@ -4050,7 +4050,7 @@
                 <a:lstStyle/>
                 <a:p>
                   <a:pPr algn="ctr"/>
-                  <a:endParaRPr lang="fr-FR"/>
+                  <a:endParaRPr lang="fr-FR" sz="1801"/>
                 </a:p>
               </p:txBody>
             </p:sp>
@@ -4108,7 +4108,7 @@
                 <a:lstStyle/>
                 <a:p>
                   <a:pPr algn="ctr"/>
-                  <a:endParaRPr lang="fr-FR"/>
+                  <a:endParaRPr lang="fr-FR" sz="1801"/>
                 </a:p>
               </p:txBody>
             </p:sp>
@@ -4159,7 +4159,7 @@
                 <a:lstStyle/>
                 <a:p>
                   <a:pPr algn="ctr"/>
-                  <a:endParaRPr lang="fr-FR"/>
+                  <a:endParaRPr lang="fr-FR" sz="1801"/>
                 </a:p>
               </p:txBody>
             </p:sp>
@@ -4211,7 +4211,7 @@
                 <a:lstStyle/>
                 <a:p>
                   <a:pPr algn="ctr"/>
-                  <a:endParaRPr lang="fr-FR"/>
+                  <a:endParaRPr lang="fr-FR" sz="1801"/>
                 </a:p>
               </p:txBody>
             </p:sp>
@@ -4263,7 +4263,7 @@
               <a:lstStyle/>
               <a:p>
                 <a:pPr algn="ctr"/>
-                <a:endParaRPr lang="fr-FR"/>
+                <a:endParaRPr lang="fr-FR" sz="1801"/>
               </a:p>
             </p:txBody>
           </p:sp>
@@ -4281,8 +4281,8 @@
             </p:nvSpPr>
             <p:spPr>
               <a:xfrm>
-                <a:off x="5337468" y="1402773"/>
-                <a:ext cx="1794081" cy="439681"/>
+                <a:off x="5302192" y="1402772"/>
+                <a:ext cx="1898706" cy="410667"/>
               </a:xfrm>
               <a:prstGeom prst="rect">
                 <a:avLst/>
@@ -4296,18 +4296,30 @@
               <a:lstStyle/>
               <a:p>
                 <a:r>
-                  <a:rPr lang="fr-FR" sz="1400" dirty="0" err="1"/>
+                  <a:rPr lang="fr-FR" sz="1401" dirty="0" err="1">
+                    <a:latin typeface="Arial" panose="020B0604020202020204" pitchFamily="34" charset="0"/>
+                    <a:cs typeface="Arial" panose="020B0604020202020204" pitchFamily="34" charset="0"/>
+                  </a:rPr>
                   <a:t>donor</a:t>
                 </a:r>
                 <a:r>
-                  <a:rPr lang="fr-FR" sz="1400" dirty="0"/>
+                  <a:rPr lang="fr-FR" sz="1401" dirty="0">
+                    <a:latin typeface="Arial" panose="020B0604020202020204" pitchFamily="34" charset="0"/>
+                    <a:cs typeface="Arial" panose="020B0604020202020204" pitchFamily="34" charset="0"/>
+                  </a:rPr>
                   <a:t> </a:t>
                 </a:r>
                 <a:r>
-                  <a:rPr lang="fr-FR" sz="1400" dirty="0" err="1"/>
+                  <a:rPr lang="fr-FR" sz="1401" dirty="0" err="1">
+                    <a:latin typeface="Arial" panose="020B0604020202020204" pitchFamily="34" charset="0"/>
+                    <a:cs typeface="Arial" panose="020B0604020202020204" pitchFamily="34" charset="0"/>
+                  </a:rPr>
                   <a:t>subsites</a:t>
                 </a:r>
-                <a:endParaRPr lang="fr-FR" sz="1400" dirty="0"/>
+                <a:endParaRPr lang="fr-FR" sz="1401" dirty="0">
+                  <a:latin typeface="Arial" panose="020B0604020202020204" pitchFamily="34" charset="0"/>
+                  <a:cs typeface="Arial" panose="020B0604020202020204" pitchFamily="34" charset="0"/>
+                </a:endParaRPr>
               </a:p>
             </p:txBody>
           </p:sp>
@@ -4325,8 +4337,8 @@
             </p:nvSpPr>
             <p:spPr>
               <a:xfrm>
-                <a:off x="7330021" y="1409057"/>
-                <a:ext cx="2074470" cy="439681"/>
+                <a:off x="7224196" y="1409057"/>
+                <a:ext cx="2221478" cy="410667"/>
               </a:xfrm>
               <a:prstGeom prst="rect">
                 <a:avLst/>
@@ -4340,18 +4352,30 @@
               <a:lstStyle/>
               <a:p>
                 <a:r>
-                  <a:rPr lang="fr-FR" sz="1400" dirty="0" err="1"/>
+                  <a:rPr lang="fr-FR" sz="1401" dirty="0" err="1">
+                    <a:latin typeface="Arial" panose="020B0604020202020204" pitchFamily="34" charset="0"/>
+                    <a:cs typeface="Arial" panose="020B0604020202020204" pitchFamily="34" charset="0"/>
+                  </a:rPr>
                   <a:t>acceptor</a:t>
                 </a:r>
                 <a:r>
-                  <a:rPr lang="fr-FR" sz="1400" dirty="0"/>
+                  <a:rPr lang="fr-FR" sz="1401" dirty="0">
+                    <a:latin typeface="Arial" panose="020B0604020202020204" pitchFamily="34" charset="0"/>
+                    <a:cs typeface="Arial" panose="020B0604020202020204" pitchFamily="34" charset="0"/>
+                  </a:rPr>
                   <a:t> </a:t>
                 </a:r>
                 <a:r>
-                  <a:rPr lang="fr-FR" sz="1400" dirty="0" err="1"/>
+                  <a:rPr lang="fr-FR" sz="1401" dirty="0" err="1">
+                    <a:latin typeface="Arial" panose="020B0604020202020204" pitchFamily="34" charset="0"/>
+                    <a:cs typeface="Arial" panose="020B0604020202020204" pitchFamily="34" charset="0"/>
+                  </a:rPr>
                   <a:t>subsites</a:t>
                 </a:r>
-                <a:endParaRPr lang="fr-FR" sz="1400" dirty="0"/>
+                <a:endParaRPr lang="fr-FR" sz="1401" dirty="0">
+                  <a:latin typeface="Arial" panose="020B0604020202020204" pitchFamily="34" charset="0"/>
+                  <a:cs typeface="Arial" panose="020B0604020202020204" pitchFamily="34" charset="0"/>
+                </a:endParaRPr>
               </a:p>
             </p:txBody>
           </p:sp>
@@ -4369,8 +4393,8 @@
             </p:nvSpPr>
             <p:spPr>
               <a:xfrm>
-                <a:off x="202379" y="1404950"/>
-                <a:ext cx="4298767" cy="483649"/>
+                <a:off x="202378" y="1404951"/>
+                <a:ext cx="4298767" cy="451545"/>
               </a:xfrm>
               <a:prstGeom prst="rect">
                 <a:avLst/>
@@ -4384,18 +4408,30 @@
               <a:lstStyle/>
               <a:p>
                 <a:r>
-                  <a:rPr lang="fr-FR" sz="1600" dirty="0" err="1"/>
+                  <a:rPr lang="fr-FR" sz="1600" dirty="0" err="1">
+                    <a:latin typeface="Arial" panose="020B0604020202020204" pitchFamily="34" charset="0"/>
+                    <a:cs typeface="Arial" panose="020B0604020202020204" pitchFamily="34" charset="0"/>
+                  </a:rPr>
                   <a:t>growing</a:t>
                 </a:r>
                 <a:r>
-                  <a:rPr lang="fr-FR" sz="1600" dirty="0"/>
+                  <a:rPr lang="fr-FR" sz="1600" dirty="0">
+                    <a:latin typeface="Arial" panose="020B0604020202020204" pitchFamily="34" charset="0"/>
+                    <a:cs typeface="Arial" panose="020B0604020202020204" pitchFamily="34" charset="0"/>
+                  </a:rPr>
                   <a:t> polysaccharide </a:t>
                 </a:r>
                 <a:r>
-                  <a:rPr lang="fr-FR" sz="1600" dirty="0" err="1"/>
+                  <a:rPr lang="fr-FR" sz="1600" dirty="0" err="1">
+                    <a:latin typeface="Arial" panose="020B0604020202020204" pitchFamily="34" charset="0"/>
+                    <a:cs typeface="Arial" panose="020B0604020202020204" pitchFamily="34" charset="0"/>
+                  </a:rPr>
                   <a:t>chain</a:t>
                 </a:r>
-                <a:endParaRPr lang="fr-FR" sz="1600" dirty="0"/>
+                <a:endParaRPr lang="fr-FR" sz="1600" dirty="0">
+                  <a:latin typeface="Arial" panose="020B0604020202020204" pitchFamily="34" charset="0"/>
+                  <a:cs typeface="Arial" panose="020B0604020202020204" pitchFamily="34" charset="0"/>
+                </a:endParaRPr>
               </a:p>
             </p:txBody>
           </p:sp>
@@ -4413,8 +4449,8 @@
             </p:nvSpPr>
             <p:spPr>
               <a:xfrm>
-                <a:off x="11387035" y="3129204"/>
-                <a:ext cx="705780" cy="1055234"/>
+                <a:off x="11392101" y="3129205"/>
+                <a:ext cx="695651" cy="985701"/>
               </a:xfrm>
               <a:prstGeom prst="rect">
                 <a:avLst/>
@@ -4429,7 +4465,7 @@
               <a:p>
                 <a:pPr algn="ctr"/>
                 <a:r>
-                  <a:rPr lang="fr-FR" sz="1400" b="1" dirty="0">
+                  <a:rPr lang="fr-FR" sz="1401" b="1" dirty="0">
                     <a:solidFill>
                       <a:schemeClr val="accent1"/>
                     </a:solidFill>
@@ -4440,7 +4476,7 @@
               <a:p>
                 <a:pPr algn="ctr"/>
                 <a:r>
-                  <a:rPr lang="fr-FR" sz="1400" b="1" dirty="0">
+                  <a:rPr lang="fr-FR" sz="1401" b="1" dirty="0">
                     <a:solidFill>
                       <a:schemeClr val="accent1"/>
                     </a:solidFill>
@@ -4451,14 +4487,14 @@
               <a:p>
                 <a:pPr algn="ctr"/>
                 <a:r>
-                  <a:rPr lang="fr-FR" sz="1400" b="1" dirty="0" err="1">
+                  <a:rPr lang="fr-FR" sz="1401" b="1" dirty="0" err="1">
                     <a:solidFill>
                       <a:schemeClr val="accent1"/>
                     </a:solidFill>
                   </a:rPr>
                   <a:t>Und</a:t>
                 </a:r>
-                <a:endParaRPr lang="fr-FR" sz="1400" b="1" dirty="0">
+                <a:endParaRPr lang="fr-FR" sz="1401" b="1" dirty="0">
                   <a:solidFill>
                     <a:schemeClr val="accent1"/>
                   </a:solidFill>
@@ -4482,9 +4518,9 @@
               <p:nvPr/>
             </p:nvCxnSpPr>
             <p:spPr>
-              <a:xfrm flipH="1">
-                <a:off x="11739925" y="2485217"/>
-                <a:ext cx="1" cy="643987"/>
+              <a:xfrm>
+                <a:off x="11739926" y="2485217"/>
+                <a:ext cx="0" cy="643988"/>
               </a:xfrm>
               <a:prstGeom prst="line">
                 <a:avLst/>
@@ -4547,7 +4583,7 @@
               <a:lstStyle/>
               <a:p>
                 <a:pPr algn="ctr"/>
-                <a:endParaRPr lang="fr-FR"/>
+                <a:endParaRPr lang="fr-FR" sz="1801"/>
               </a:p>
             </p:txBody>
           </p:sp>
@@ -4565,8 +4601,8 @@
             </p:nvSpPr>
             <p:spPr>
               <a:xfrm>
-                <a:off x="2571141" y="2915580"/>
-                <a:ext cx="306494" cy="369332"/>
+                <a:off x="2571139" y="2915581"/>
+                <a:ext cx="427051" cy="492765"/>
               </a:xfrm>
               <a:prstGeom prst="rect">
                 <a:avLst/>
@@ -4580,7 +4616,7 @@
               <a:lstStyle/>
               <a:p>
                 <a:r>
-                  <a:rPr lang="fr-FR" i="1" dirty="0">
+                  <a:rPr lang="fr-FR" sz="1801" i="1" dirty="0">
                     <a:solidFill>
                       <a:schemeClr val="accent1"/>
                     </a:solidFill>
@@ -4604,8 +4640,8 @@
             </p:nvSpPr>
             <p:spPr>
               <a:xfrm>
-                <a:off x="6438731" y="760170"/>
-                <a:ext cx="1763120" cy="571586"/>
+                <a:off x="6368183" y="760169"/>
+                <a:ext cx="1864850" cy="533645"/>
               </a:xfrm>
               <a:prstGeom prst="rect">
                 <a:avLst/>
@@ -4619,7 +4655,10 @@
               <a:lstStyle/>
               <a:p>
                 <a:r>
-                  <a:rPr lang="fr-FR" sz="2000" dirty="0"/>
+                  <a:rPr lang="fr-FR" sz="2000" dirty="0">
+                    <a:latin typeface="Arial" panose="020B0604020202020204" pitchFamily="34" charset="0"/>
+                    <a:cs typeface="Arial" panose="020B0604020202020204" pitchFamily="34" charset="0"/>
+                  </a:rPr>
                   <a:t>active site</a:t>
                 </a:r>
               </a:p>
@@ -4675,7 +4714,7 @@
               <a:lstStyle/>
               <a:p>
                 <a:pPr algn="ctr"/>
-                <a:endParaRPr lang="fr-FR"/>
+                <a:endParaRPr lang="fr-FR" sz="1801"/>
               </a:p>
             </p:txBody>
           </p:sp>
@@ -4693,8 +4732,8 @@
             </p:nvSpPr>
             <p:spPr>
               <a:xfrm>
-                <a:off x="5510298" y="1849279"/>
-                <a:ext cx="472200" cy="439681"/>
+                <a:off x="5510296" y="1849280"/>
+                <a:ext cx="465423" cy="410667"/>
               </a:xfrm>
               <a:prstGeom prst="rect">
                 <a:avLst/>
@@ -4708,7 +4747,7 @@
               <a:lstStyle/>
               <a:p>
                 <a:r>
-                  <a:rPr lang="fr-FR" sz="1400" dirty="0"/>
+                  <a:rPr lang="fr-FR" sz="1401" dirty="0"/>
                   <a:t>-2</a:t>
                 </a:r>
               </a:p>
@@ -4728,8 +4767,8 @@
             </p:nvSpPr>
             <p:spPr>
               <a:xfrm>
-                <a:off x="6474588" y="1832819"/>
-                <a:ext cx="472200" cy="439681"/>
+                <a:off x="6474588" y="1832820"/>
+                <a:ext cx="465423" cy="410667"/>
               </a:xfrm>
               <a:prstGeom prst="rect">
                 <a:avLst/>
@@ -4743,7 +4782,7 @@
               <a:lstStyle/>
               <a:p>
                 <a:r>
-                  <a:rPr lang="fr-FR" sz="1400" dirty="0"/>
+                  <a:rPr lang="fr-FR" sz="1401" dirty="0"/>
                   <a:t>-1</a:t>
                 </a:r>
               </a:p>
@@ -4763,8 +4802,8 @@
             </p:nvSpPr>
             <p:spPr>
               <a:xfrm>
-                <a:off x="7594282" y="1823679"/>
-                <a:ext cx="522580" cy="439681"/>
+                <a:off x="7594282" y="1823680"/>
+                <a:ext cx="515080" cy="410667"/>
               </a:xfrm>
               <a:prstGeom prst="rect">
                 <a:avLst/>
@@ -4778,7 +4817,7 @@
               <a:lstStyle/>
               <a:p>
                 <a:r>
-                  <a:rPr lang="fr-FR" sz="1400" dirty="0"/>
+                  <a:rPr lang="fr-FR" sz="1401" dirty="0"/>
                   <a:t>+1</a:t>
                 </a:r>
               </a:p>
@@ -4798,8 +4837,8 @@
             </p:nvSpPr>
             <p:spPr>
               <a:xfrm>
-                <a:off x="8365055" y="1823679"/>
-                <a:ext cx="774177" cy="439681"/>
+                <a:off x="8365056" y="1823680"/>
+                <a:ext cx="774176" cy="410667"/>
               </a:xfrm>
               <a:prstGeom prst="rect">
                 <a:avLst/>
@@ -4814,7 +4853,7 @@
               <a:p>
                 <a:pPr algn="ctr"/>
                 <a:r>
-                  <a:rPr lang="fr-FR" sz="1400" dirty="0"/>
+                  <a:rPr lang="fr-FR" sz="1401" dirty="0"/>
                   <a:t>+2</a:t>
                 </a:r>
               </a:p>
@@ -4861,7 +4900,7 @@
               <a:lstStyle/>
               <a:p>
                 <a:pPr algn="ctr"/>
-                <a:endParaRPr lang="fr-FR"/>
+                <a:endParaRPr lang="fr-FR" sz="1801"/>
               </a:p>
             </p:txBody>
           </p:sp>
@@ -4906,7 +4945,7 @@
               <a:lstStyle/>
               <a:p>
                 <a:pPr algn="ctr"/>
-                <a:endParaRPr lang="fr-FR"/>
+                <a:endParaRPr lang="fr-FR" sz="1801"/>
               </a:p>
             </p:txBody>
           </p:sp>
@@ -4951,7 +4990,7 @@
               <a:lstStyle/>
               <a:p>
                 <a:pPr algn="ctr"/>
-                <a:endParaRPr lang="fr-FR"/>
+                <a:endParaRPr lang="fr-FR" sz="1801"/>
               </a:p>
             </p:txBody>
           </p:sp>
@@ -4996,7 +5035,7 @@
               <a:lstStyle/>
               <a:p>
                 <a:pPr algn="ctr"/>
-                <a:endParaRPr lang="fr-FR"/>
+                <a:endParaRPr lang="fr-FR" sz="1801"/>
               </a:p>
             </p:txBody>
           </p:sp>
@@ -5091,7 +5130,7 @@
               <a:lstStyle/>
               <a:p>
                 <a:pPr algn="ctr"/>
-                <a:endParaRPr lang="fr-FR"/>
+                <a:endParaRPr lang="fr-FR" sz="1801"/>
               </a:p>
             </p:txBody>
           </p:sp>
@@ -5143,7 +5182,7 @@
               <a:lstStyle/>
               <a:p>
                 <a:pPr algn="ctr"/>
-                <a:endParaRPr lang="fr-FR"/>
+                <a:endParaRPr lang="fr-FR" sz="1801"/>
               </a:p>
             </p:txBody>
           </p:sp>
@@ -5201,7 +5240,7 @@
               <a:lstStyle/>
               <a:p>
                 <a:pPr algn="ctr"/>
-                <a:endParaRPr lang="fr-FR"/>
+                <a:endParaRPr lang="fr-FR" sz="1801"/>
               </a:p>
             </p:txBody>
           </p:sp>
@@ -5252,7 +5291,7 @@
               <a:lstStyle/>
               <a:p>
                 <a:pPr algn="ctr"/>
-                <a:endParaRPr lang="fr-FR"/>
+                <a:endParaRPr lang="fr-FR" sz="1801"/>
               </a:p>
             </p:txBody>
           </p:sp>
@@ -5304,7 +5343,7 @@
               <a:lstStyle/>
               <a:p>
                 <a:pPr algn="ctr"/>
-                <a:endParaRPr lang="fr-FR"/>
+                <a:endParaRPr lang="fr-FR" sz="1801"/>
               </a:p>
             </p:txBody>
           </p:sp>
@@ -5349,7 +5388,7 @@
               <a:lstStyle/>
               <a:p>
                 <a:pPr algn="ctr"/>
-                <a:endParaRPr lang="fr-FR"/>
+                <a:endParaRPr lang="fr-FR" sz="1801"/>
               </a:p>
             </p:txBody>
           </p:sp>
@@ -5406,7 +5445,7 @@
             <a:lstStyle/>
             <a:p>
               <a:pPr algn="ctr"/>
-              <a:endParaRPr lang="fr-FR"/>
+              <a:endParaRPr lang="fr-FR" sz="1801"/>
             </a:p>
           </p:txBody>
         </p:sp>
@@ -5462,7 +5501,7 @@
             <a:lstStyle/>
             <a:p>
               <a:pPr algn="ctr"/>
-              <a:endParaRPr lang="fr-FR"/>
+              <a:endParaRPr lang="fr-FR" sz="1801"/>
             </a:p>
           </p:txBody>
         </p:sp>
@@ -5518,7 +5557,7 @@
             <a:lstStyle/>
             <a:p>
               <a:pPr algn="ctr"/>
-              <a:endParaRPr lang="fr-FR"/>
+              <a:endParaRPr lang="fr-FR" sz="1801"/>
             </a:p>
           </p:txBody>
         </p:sp>
@@ -5705,7 +5744,7 @@
         </p:nvGrpSpPr>
         <p:grpSpPr>
           <a:xfrm>
-            <a:off x="1571387" y="3429000"/>
+            <a:off x="1571388" y="3429000"/>
             <a:ext cx="5892990" cy="1226798"/>
             <a:chOff x="3325387" y="3007214"/>
             <a:chExt cx="5892990" cy="1226798"/>
@@ -5759,7 +5798,7 @@
             <a:lstStyle/>
             <a:p>
               <a:pPr algn="ctr"/>
-              <a:endParaRPr lang="fr-FR"/>
+              <a:endParaRPr lang="fr-FR" sz="1801"/>
             </a:p>
           </p:txBody>
         </p:sp>
@@ -5811,7 +5850,7 @@
             <a:lstStyle/>
             <a:p>
               <a:pPr algn="ctr"/>
-              <a:endParaRPr lang="fr-FR"/>
+              <a:endParaRPr lang="fr-FR" sz="1801"/>
             </a:p>
           </p:txBody>
         </p:sp>
@@ -5863,7 +5902,7 @@
             <a:lstStyle/>
             <a:p>
               <a:pPr algn="ctr"/>
-              <a:endParaRPr lang="fr-FR"/>
+              <a:endParaRPr lang="fr-FR" sz="1801"/>
             </a:p>
           </p:txBody>
         </p:sp>
@@ -5915,7 +5954,7 @@
             <a:lstStyle/>
             <a:p>
               <a:pPr algn="ctr"/>
-              <a:endParaRPr lang="fr-FR"/>
+              <a:endParaRPr lang="fr-FR" sz="1801"/>
             </a:p>
           </p:txBody>
         </p:sp>
@@ -5967,7 +6006,7 @@
             <a:lstStyle/>
             <a:p>
               <a:pPr algn="ctr"/>
-              <a:endParaRPr lang="fr-FR"/>
+              <a:endParaRPr lang="fr-FR" sz="1801"/>
             </a:p>
           </p:txBody>
         </p:sp>
@@ -6019,7 +6058,7 @@
             <a:lstStyle/>
             <a:p>
               <a:pPr algn="ctr"/>
-              <a:endParaRPr lang="fr-FR"/>
+              <a:endParaRPr lang="fr-FR" sz="1801"/>
             </a:p>
           </p:txBody>
         </p:sp>
@@ -6071,7 +6110,7 @@
             <a:lstStyle/>
             <a:p>
               <a:pPr algn="ctr"/>
-              <a:endParaRPr lang="fr-FR"/>
+              <a:endParaRPr lang="fr-FR" sz="1801"/>
             </a:p>
           </p:txBody>
         </p:sp>
@@ -6123,7 +6162,7 @@
             <a:lstStyle/>
             <a:p>
               <a:pPr algn="ctr"/>
-              <a:endParaRPr lang="fr-FR"/>
+              <a:endParaRPr lang="fr-FR" sz="1801"/>
             </a:p>
           </p:txBody>
         </p:sp>
@@ -6175,7 +6214,7 @@
             <a:lstStyle/>
             <a:p>
               <a:pPr algn="ctr"/>
-              <a:endParaRPr lang="fr-FR"/>
+              <a:endParaRPr lang="fr-FR" sz="1801"/>
             </a:p>
           </p:txBody>
         </p:sp>
@@ -6227,7 +6266,7 @@
             <a:lstStyle/>
             <a:p>
               <a:pPr algn="ctr"/>
-              <a:endParaRPr lang="fr-FR"/>
+              <a:endParaRPr lang="fr-FR" sz="1801"/>
             </a:p>
           </p:txBody>
         </p:sp>
@@ -6279,7 +6318,7 @@
             <a:lstStyle/>
             <a:p>
               <a:pPr algn="ctr"/>
-              <a:endParaRPr lang="fr-FR"/>
+              <a:endParaRPr lang="fr-FR" sz="1801"/>
             </a:p>
           </p:txBody>
         </p:sp>
@@ -6331,7 +6370,7 @@
             <a:lstStyle/>
             <a:p>
               <a:pPr algn="ctr"/>
-              <a:endParaRPr lang="fr-FR"/>
+              <a:endParaRPr lang="fr-FR" sz="1801"/>
             </a:p>
           </p:txBody>
         </p:sp>
@@ -6383,7 +6422,7 @@
             <a:lstStyle/>
             <a:p>
               <a:pPr algn="ctr"/>
-              <a:endParaRPr lang="fr-FR"/>
+              <a:endParaRPr lang="fr-FR" sz="1801"/>
             </a:p>
           </p:txBody>
         </p:sp>
@@ -6435,7 +6474,7 @@
             <a:lstStyle/>
             <a:p>
               <a:pPr algn="ctr"/>
-              <a:endParaRPr lang="fr-FR"/>
+              <a:endParaRPr lang="fr-FR" sz="1801"/>
             </a:p>
           </p:txBody>
         </p:sp>
@@ -6487,7 +6526,7 @@
             <a:lstStyle/>
             <a:p>
               <a:pPr algn="ctr"/>
-              <a:endParaRPr lang="fr-FR"/>
+              <a:endParaRPr lang="fr-FR" sz="1801"/>
             </a:p>
           </p:txBody>
         </p:sp>
@@ -6520,8 +6559,8 @@
         </p:blipFill>
         <p:spPr>
           <a:xfrm>
-            <a:off x="1471317" y="2387586"/>
-            <a:ext cx="6006056" cy="2952000"/>
+            <a:off x="1471318" y="2387587"/>
+            <a:ext cx="6006057" cy="2952000"/>
           </a:xfrm>
           <a:prstGeom prst="rect">
             <a:avLst/>
@@ -6572,8 +6611,8 @@
         </p:nvSpPr>
         <p:spPr>
           <a:xfrm>
-            <a:off x="780836" y="791815"/>
-            <a:ext cx="295274" cy="369332"/>
+            <a:off x="780835" y="791816"/>
+            <a:ext cx="295274" cy="369460"/>
           </a:xfrm>
           <a:prstGeom prst="rect">
             <a:avLst/>
@@ -6587,7 +6626,7 @@
           <a:lstStyle/>
           <a:p>
             <a:r>
-              <a:rPr lang="en-DK" dirty="0"/>
+              <a:rPr lang="en-DK" sz="1801" dirty="0"/>
               <a:t>a</a:t>
             </a:r>
           </a:p>
@@ -6607,8 +6646,8 @@
         </p:nvSpPr>
         <p:spPr>
           <a:xfrm>
-            <a:off x="1497556" y="791815"/>
-            <a:ext cx="4963218" cy="369332"/>
+            <a:off x="1497558" y="791816"/>
+            <a:ext cx="4980851" cy="369460"/>
           </a:xfrm>
           <a:prstGeom prst="rect">
             <a:avLst/>
@@ -6622,31 +6661,31 @@
           <a:lstStyle/>
           <a:p>
             <a:r>
-              <a:rPr lang="en-DK" dirty="0"/>
+              <a:rPr lang="en-DK" sz="1801" dirty="0"/>
               <a:t>[3-β-D-Gal</a:t>
             </a:r>
             <a:r>
-              <a:rPr lang="en-DK" i="1" dirty="0"/>
+              <a:rPr lang="en-DK" sz="1801" i="1" dirty="0"/>
               <a:t>p</a:t>
             </a:r>
             <a:r>
-              <a:rPr lang="en-DK" dirty="0"/>
+              <a:rPr lang="en-DK" sz="1801" dirty="0"/>
               <a:t>-(1→3)-⍺-D-Glc</a:t>
             </a:r>
             <a:r>
-              <a:rPr lang="en-DK" i="1" dirty="0"/>
+              <a:rPr lang="en-DK" sz="1801" i="1" dirty="0"/>
               <a:t>p</a:t>
             </a:r>
             <a:r>
-              <a:rPr lang="en-DK" dirty="0"/>
+              <a:rPr lang="en-DK" sz="1801" dirty="0"/>
               <a:t>-(1→4)- ⍺-D-Glc</a:t>
             </a:r>
             <a:r>
-              <a:rPr lang="en-DK" i="1" dirty="0"/>
+              <a:rPr lang="en-DK" sz="1801" i="1" dirty="0"/>
               <a:t>p</a:t>
             </a:r>
             <a:r>
-              <a:rPr lang="en-DK" dirty="0"/>
+              <a:rPr lang="en-DK" sz="1801" dirty="0"/>
               <a:t>-(1→]</a:t>
             </a:r>
           </a:p>
@@ -6666,8 +6705,8 @@
         </p:nvSpPr>
         <p:spPr>
           <a:xfrm>
-            <a:off x="780836" y="2019360"/>
-            <a:ext cx="306494" cy="369332"/>
+            <a:off x="780836" y="2019361"/>
+            <a:ext cx="306494" cy="369460"/>
           </a:xfrm>
           <a:prstGeom prst="rect">
             <a:avLst/>
@@ -6681,7 +6720,7 @@
           <a:lstStyle/>
           <a:p>
             <a:r>
-              <a:rPr lang="en-DK" dirty="0"/>
+              <a:rPr lang="en-DK" sz="1801" dirty="0"/>
               <a:t>b</a:t>
             </a:r>
           </a:p>
@@ -6702,7 +6741,7 @@
         <p:spPr>
           <a:xfrm>
             <a:off x="787248" y="3461903"/>
-            <a:ext cx="282450" cy="369332"/>
+            <a:ext cx="282450" cy="369460"/>
           </a:xfrm>
           <a:prstGeom prst="rect">
             <a:avLst/>
@@ -6716,7 +6755,7 @@
           <a:lstStyle/>
           <a:p>
             <a:r>
-              <a:rPr lang="en-DK" dirty="0"/>
+              <a:rPr lang="en-DK" sz="1801" dirty="0"/>
               <a:t>c</a:t>
             </a:r>
           </a:p>
@@ -6736,8 +6775,8 @@
         </p:nvSpPr>
         <p:spPr>
           <a:xfrm>
-            <a:off x="1497556" y="3461903"/>
-            <a:ext cx="2757743" cy="369332"/>
+            <a:off x="1497557" y="3461903"/>
+            <a:ext cx="2757743" cy="369460"/>
           </a:xfrm>
           <a:prstGeom prst="rect">
             <a:avLst/>
@@ -6751,7 +6790,7 @@
           <a:lstStyle/>
           <a:p>
             <a:r>
-              <a:rPr lang="en-DK" dirty="0"/>
+              <a:rPr lang="en-DK" sz="1801" dirty="0"/>
               <a:t>3U-p-1U, 3U-p-1D, 4D-p-1D</a:t>
             </a:r>
           </a:p>
@@ -6771,8 +6810,8 @@
         </p:nvGrpSpPr>
         <p:grpSpPr>
           <a:xfrm>
-            <a:off x="1638764" y="1335271"/>
-            <a:ext cx="5898311" cy="1803400"/>
+            <a:off x="1638765" y="1335271"/>
+            <a:ext cx="5898311" cy="1803401"/>
             <a:chOff x="1638764" y="1335271"/>
             <a:chExt cx="5898311" cy="1803400"/>
           </a:xfrm>
@@ -6845,7 +6884,7 @@
               <a:lstStyle/>
               <a:p>
                 <a:pPr algn="ctr"/>
-                <a:endParaRPr lang="fr-FR"/>
+                <a:endParaRPr lang="fr-FR" sz="1801"/>
               </a:p>
             </p:txBody>
           </p:sp>
@@ -6897,7 +6936,7 @@
               <a:lstStyle/>
               <a:p>
                 <a:pPr algn="ctr"/>
-                <a:endParaRPr lang="fr-FR"/>
+                <a:endParaRPr lang="fr-FR" sz="1801"/>
               </a:p>
             </p:txBody>
           </p:sp>
@@ -6949,7 +6988,7 @@
               <a:lstStyle/>
               <a:p>
                 <a:pPr algn="ctr"/>
-                <a:endParaRPr lang="fr-FR"/>
+                <a:endParaRPr lang="fr-FR" sz="1801"/>
               </a:p>
             </p:txBody>
           </p:sp>
@@ -7001,7 +7040,7 @@
               <a:lstStyle/>
               <a:p>
                 <a:pPr algn="ctr"/>
-                <a:endParaRPr lang="fr-FR"/>
+                <a:endParaRPr lang="fr-FR" sz="1801"/>
               </a:p>
             </p:txBody>
           </p:sp>
@@ -7053,7 +7092,7 @@
               <a:lstStyle/>
               <a:p>
                 <a:pPr algn="ctr"/>
-                <a:endParaRPr lang="fr-FR"/>
+                <a:endParaRPr lang="fr-FR" sz="1801"/>
               </a:p>
             </p:txBody>
           </p:sp>
@@ -7105,7 +7144,7 @@
               <a:lstStyle/>
               <a:p>
                 <a:pPr algn="ctr"/>
-                <a:endParaRPr lang="fr-FR"/>
+                <a:endParaRPr lang="fr-FR" sz="1801"/>
               </a:p>
             </p:txBody>
           </p:sp>
@@ -7157,7 +7196,7 @@
               <a:lstStyle/>
               <a:p>
                 <a:pPr algn="ctr"/>
-                <a:endParaRPr lang="fr-FR"/>
+                <a:endParaRPr lang="fr-FR" sz="1801"/>
               </a:p>
             </p:txBody>
           </p:sp>
@@ -7209,7 +7248,7 @@
               <a:lstStyle/>
               <a:p>
                 <a:pPr algn="ctr"/>
-                <a:endParaRPr lang="fr-FR"/>
+                <a:endParaRPr lang="fr-FR" sz="1801"/>
               </a:p>
             </p:txBody>
           </p:sp>
@@ -7261,7 +7300,7 @@
               <a:lstStyle/>
               <a:p>
                 <a:pPr algn="ctr"/>
-                <a:endParaRPr lang="fr-FR"/>
+                <a:endParaRPr lang="fr-FR" sz="1801"/>
               </a:p>
             </p:txBody>
           </p:sp>
@@ -7313,7 +7352,7 @@
               <a:lstStyle/>
               <a:p>
                 <a:pPr algn="ctr"/>
-                <a:endParaRPr lang="fr-FR"/>
+                <a:endParaRPr lang="fr-FR" sz="1801"/>
               </a:p>
             </p:txBody>
           </p:sp>
@@ -7365,7 +7404,7 @@
               <a:lstStyle/>
               <a:p>
                 <a:pPr algn="ctr"/>
-                <a:endParaRPr lang="fr-FR"/>
+                <a:endParaRPr lang="fr-FR" sz="1801"/>
               </a:p>
             </p:txBody>
           </p:sp>
@@ -7417,7 +7456,7 @@
               <a:lstStyle/>
               <a:p>
                 <a:pPr algn="ctr"/>
-                <a:endParaRPr lang="fr-FR"/>
+                <a:endParaRPr lang="fr-FR" sz="1801"/>
               </a:p>
             </p:txBody>
           </p:sp>
@@ -7469,7 +7508,7 @@
               <a:lstStyle/>
               <a:p>
                 <a:pPr algn="ctr"/>
-                <a:endParaRPr lang="fr-FR"/>
+                <a:endParaRPr lang="fr-FR" sz="1801"/>
               </a:p>
             </p:txBody>
           </p:sp>
@@ -7521,7 +7560,7 @@
               <a:lstStyle/>
               <a:p>
                 <a:pPr algn="ctr"/>
-                <a:endParaRPr lang="fr-FR"/>
+                <a:endParaRPr lang="fr-FR" sz="1801"/>
               </a:p>
             </p:txBody>
           </p:sp>
@@ -7573,7 +7612,7 @@
               <a:lstStyle/>
               <a:p>
                 <a:pPr algn="ctr"/>
-                <a:endParaRPr lang="fr-FR"/>
+                <a:endParaRPr lang="fr-FR" sz="1801"/>
               </a:p>
             </p:txBody>
           </p:sp>
@@ -7629,8 +7668,8 @@
         </p:nvSpPr>
         <p:spPr>
           <a:xfrm>
-            <a:off x="2197594" y="2868410"/>
-            <a:ext cx="1374094" cy="307777"/>
+            <a:off x="2197595" y="2868411"/>
+            <a:ext cx="1374094" cy="307905"/>
           </a:xfrm>
           <a:prstGeom prst="rect">
             <a:avLst/>
@@ -7650,7 +7689,7 @@
           <a:lstStyle/>
           <a:p>
             <a:r>
-              <a:rPr lang="en-DK" sz="1400" dirty="0"/>
+              <a:rPr lang="en-DK" sz="1401" dirty="0"/>
               <a:t>3U         p        1U</a:t>
             </a:r>
           </a:p>
@@ -7670,8 +7709,8 @@
         </p:nvSpPr>
         <p:spPr>
           <a:xfrm>
-            <a:off x="3891105" y="2452472"/>
-            <a:ext cx="1369286" cy="307777"/>
+            <a:off x="3891107" y="2452473"/>
+            <a:ext cx="1369286" cy="307905"/>
           </a:xfrm>
           <a:prstGeom prst="rect">
             <a:avLst/>
@@ -7691,7 +7730,7 @@
           <a:lstStyle/>
           <a:p>
             <a:r>
-              <a:rPr lang="en-DK" sz="1400" dirty="0"/>
+              <a:rPr lang="en-DK" sz="1401" dirty="0"/>
               <a:t>3U         p        1D</a:t>
             </a:r>
           </a:p>
@@ -7711,8 +7750,8 @@
         </p:nvSpPr>
         <p:spPr>
           <a:xfrm>
-            <a:off x="5733972" y="2834804"/>
-            <a:ext cx="1364476" cy="307777"/>
+            <a:off x="5733973" y="2834805"/>
+            <a:ext cx="1364476" cy="307905"/>
           </a:xfrm>
           <a:prstGeom prst="rect">
             <a:avLst/>
@@ -7732,7 +7771,7 @@
           <a:lstStyle/>
           <a:p>
             <a:r>
-              <a:rPr lang="en-DK" sz="1400" dirty="0"/>
+              <a:rPr lang="en-DK" sz="1401" dirty="0"/>
               <a:t>4D         p        1D</a:t>
             </a:r>
           </a:p>
@@ -7782,7 +7821,7 @@
         </p:nvGrpSpPr>
         <p:grpSpPr>
           <a:xfrm>
-            <a:off x="1571387" y="3429000"/>
+            <a:off x="1571388" y="3429000"/>
             <a:ext cx="5892990" cy="1226798"/>
             <a:chOff x="3325387" y="3007214"/>
             <a:chExt cx="5892990" cy="1226798"/>
@@ -7836,7 +7875,7 @@
             <a:lstStyle/>
             <a:p>
               <a:pPr algn="ctr"/>
-              <a:endParaRPr lang="fr-FR"/>
+              <a:endParaRPr lang="fr-FR" sz="1801"/>
             </a:p>
           </p:txBody>
         </p:sp>
@@ -7888,7 +7927,7 @@
             <a:lstStyle/>
             <a:p>
               <a:pPr algn="ctr"/>
-              <a:endParaRPr lang="fr-FR"/>
+              <a:endParaRPr lang="fr-FR" sz="1801"/>
             </a:p>
           </p:txBody>
         </p:sp>
@@ -7940,7 +7979,7 @@
             <a:lstStyle/>
             <a:p>
               <a:pPr algn="ctr"/>
-              <a:endParaRPr lang="fr-FR"/>
+              <a:endParaRPr lang="fr-FR" sz="1801"/>
             </a:p>
           </p:txBody>
         </p:sp>
@@ -7992,7 +8031,7 @@
             <a:lstStyle/>
             <a:p>
               <a:pPr algn="ctr"/>
-              <a:endParaRPr lang="fr-FR"/>
+              <a:endParaRPr lang="fr-FR" sz="1801"/>
             </a:p>
           </p:txBody>
         </p:sp>
@@ -8044,7 +8083,7 @@
             <a:lstStyle/>
             <a:p>
               <a:pPr algn="ctr"/>
-              <a:endParaRPr lang="fr-FR"/>
+              <a:endParaRPr lang="fr-FR" sz="1801"/>
             </a:p>
           </p:txBody>
         </p:sp>
@@ -8096,7 +8135,7 @@
             <a:lstStyle/>
             <a:p>
               <a:pPr algn="ctr"/>
-              <a:endParaRPr lang="fr-FR"/>
+              <a:endParaRPr lang="fr-FR" sz="1801"/>
             </a:p>
           </p:txBody>
         </p:sp>
@@ -8148,7 +8187,7 @@
             <a:lstStyle/>
             <a:p>
               <a:pPr algn="ctr"/>
-              <a:endParaRPr lang="fr-FR"/>
+              <a:endParaRPr lang="fr-FR" sz="1801"/>
             </a:p>
           </p:txBody>
         </p:sp>
@@ -8200,7 +8239,7 @@
             <a:lstStyle/>
             <a:p>
               <a:pPr algn="ctr"/>
-              <a:endParaRPr lang="fr-FR"/>
+              <a:endParaRPr lang="fr-FR" sz="1801"/>
             </a:p>
           </p:txBody>
         </p:sp>
@@ -8252,7 +8291,7 @@
             <a:lstStyle/>
             <a:p>
               <a:pPr algn="ctr"/>
-              <a:endParaRPr lang="fr-FR"/>
+              <a:endParaRPr lang="fr-FR" sz="1801"/>
             </a:p>
           </p:txBody>
         </p:sp>
@@ -8304,7 +8343,7 @@
             <a:lstStyle/>
             <a:p>
               <a:pPr algn="ctr"/>
-              <a:endParaRPr lang="fr-FR"/>
+              <a:endParaRPr lang="fr-FR" sz="1801"/>
             </a:p>
           </p:txBody>
         </p:sp>
@@ -8356,7 +8395,7 @@
             <a:lstStyle/>
             <a:p>
               <a:pPr algn="ctr"/>
-              <a:endParaRPr lang="fr-FR"/>
+              <a:endParaRPr lang="fr-FR" sz="1801"/>
             </a:p>
           </p:txBody>
         </p:sp>
@@ -8408,7 +8447,7 @@
             <a:lstStyle/>
             <a:p>
               <a:pPr algn="ctr"/>
-              <a:endParaRPr lang="fr-FR"/>
+              <a:endParaRPr lang="fr-FR" sz="1801"/>
             </a:p>
           </p:txBody>
         </p:sp>
@@ -8460,7 +8499,7 @@
             <a:lstStyle/>
             <a:p>
               <a:pPr algn="ctr"/>
-              <a:endParaRPr lang="fr-FR"/>
+              <a:endParaRPr lang="fr-FR" sz="1801"/>
             </a:p>
           </p:txBody>
         </p:sp>
@@ -8512,7 +8551,7 @@
             <a:lstStyle/>
             <a:p>
               <a:pPr algn="ctr"/>
-              <a:endParaRPr lang="fr-FR"/>
+              <a:endParaRPr lang="fr-FR" sz="1801"/>
             </a:p>
           </p:txBody>
         </p:sp>
@@ -8564,7 +8603,7 @@
             <a:lstStyle/>
             <a:p>
               <a:pPr algn="ctr"/>
-              <a:endParaRPr lang="fr-FR"/>
+              <a:endParaRPr lang="fr-FR" sz="1801"/>
             </a:p>
           </p:txBody>
         </p:sp>
@@ -8597,8 +8636,8 @@
         </p:blipFill>
         <p:spPr>
           <a:xfrm>
-            <a:off x="1576898" y="2875313"/>
-            <a:ext cx="5892800" cy="1803400"/>
+            <a:off x="1576898" y="2875314"/>
+            <a:ext cx="5892800" cy="1803401"/>
           </a:xfrm>
           <a:prstGeom prst="rect">
             <a:avLst/>
